--- a/test/pptx/document-properties-short-desc/output.pptx
+++ b/test/pptx/document-properties-short-desc/output.pptx
@@ -3144,8 +3144,6 @@
             <a:pPr lvl="0" indent="0" marL="0">
               <a:buNone/>
             </a:pPr>
-            <a:br/>
-            <a:br/>
             <a:r>
               <a:rPr/>
               <a:t>A. M.</a:t>
